--- a/project2/2. 프로젝트 결과보고서_양식 구철환.pptx
+++ b/project2/2. 프로젝트 결과보고서_양식 구철환.pptx
@@ -149,6 +149,59 @@
     </p:ext>
   </p:extLst>
 </p:presentation>
+</file>
+
+<file path=ppt/changesInfos/changesInfo1.xml><?xml version="1.0" encoding="utf-8"?>
+<pc:chgInfo xmlns:a="http://schemas.openxmlformats.org/drawingml/2006/main" xmlns:r="http://schemas.openxmlformats.org/officeDocument/2006/relationships" xmlns:ac="http://schemas.microsoft.com/office/drawing/2013/main/command" xmlns:pc="http://schemas.microsoft.com/office/powerpoint/2013/main/command">
+  <pc:docChgLst>
+    <pc:chgData name="필문 정" userId="2ce4f8eed8444bc6" providerId="LiveId" clId="{9FB23A7A-0828-4E5E-B74B-0AEDC1200891}"/>
+    <pc:docChg chg="modSld">
+      <pc:chgData name="필문 정" userId="2ce4f8eed8444bc6" providerId="LiveId" clId="{9FB23A7A-0828-4E5E-B74B-0AEDC1200891}" dt="2024-10-08T09:09:03.654" v="4" actId="1076"/>
+      <pc:docMkLst>
+        <pc:docMk/>
+      </pc:docMkLst>
+      <pc:sldChg chg="modSp mod">
+        <pc:chgData name="필문 정" userId="2ce4f8eed8444bc6" providerId="LiveId" clId="{9FB23A7A-0828-4E5E-B74B-0AEDC1200891}" dt="2024-10-08T09:09:03.654" v="4" actId="1076"/>
+        <pc:sldMkLst>
+          <pc:docMk/>
+          <pc:sldMk cId="1777909975" sldId="334"/>
+        </pc:sldMkLst>
+        <pc:spChg chg="mod">
+          <ac:chgData name="필문 정" userId="2ce4f8eed8444bc6" providerId="LiveId" clId="{9FB23A7A-0828-4E5E-B74B-0AEDC1200891}" dt="2024-10-08T09:08:51.206" v="1" actId="1076"/>
+          <ac:spMkLst>
+            <pc:docMk/>
+            <pc:sldMk cId="1777909975" sldId="334"/>
+            <ac:spMk id="18" creationId="{FE7BB0B9-E2A0-8195-FC06-E1784851614C}"/>
+          </ac:spMkLst>
+        </pc:spChg>
+        <pc:spChg chg="mod">
+          <ac:chgData name="필문 정" userId="2ce4f8eed8444bc6" providerId="LiveId" clId="{9FB23A7A-0828-4E5E-B74B-0AEDC1200891}" dt="2024-10-08T09:08:53.122" v="2" actId="20577"/>
+          <ac:spMkLst>
+            <pc:docMk/>
+            <pc:sldMk cId="1777909975" sldId="334"/>
+            <ac:spMk id="61" creationId="{5BC8E924-E6BF-22EA-5924-F6AF36A3A462}"/>
+          </ac:spMkLst>
+        </pc:spChg>
+        <pc:spChg chg="mod">
+          <ac:chgData name="필문 정" userId="2ce4f8eed8444bc6" providerId="LiveId" clId="{9FB23A7A-0828-4E5E-B74B-0AEDC1200891}" dt="2024-10-08T09:08:57.002" v="3" actId="20577"/>
+          <ac:spMkLst>
+            <pc:docMk/>
+            <pc:sldMk cId="1777909975" sldId="334"/>
+            <ac:spMk id="63" creationId="{4087B303-51FE-D056-D117-A87B789B4E7C}"/>
+          </ac:spMkLst>
+        </pc:spChg>
+        <pc:spChg chg="mod">
+          <ac:chgData name="필문 정" userId="2ce4f8eed8444bc6" providerId="LiveId" clId="{9FB23A7A-0828-4E5E-B74B-0AEDC1200891}" dt="2024-10-08T09:09:03.654" v="4" actId="1076"/>
+          <ac:spMkLst>
+            <pc:docMk/>
+            <pc:sldMk cId="1777909975" sldId="334"/>
+            <ac:spMk id="65" creationId="{56921BBF-1516-FB24-0D8B-3AB3A25A673E}"/>
+          </ac:spMkLst>
+        </pc:spChg>
+      </pc:sldChg>
+    </pc:docChg>
+  </pc:docChgLst>
+</pc:chgInfo>
 </file>
 
 <file path=ppt/diagrams/colors1.xml><?xml version="1.0" encoding="utf-8"?>
@@ -45183,9 +45236,9 @@
         <p:grpSpPr>
           <a:xfrm>
             <a:off x="2638615" y="3789858"/>
-            <a:ext cx="9211099" cy="701726"/>
+            <a:ext cx="9211099" cy="673099"/>
             <a:chOff x="2665127" y="3661000"/>
-            <a:chExt cx="9211099" cy="701726"/>
+            <a:chExt cx="9211099" cy="673099"/>
           </a:xfrm>
         </p:grpSpPr>
         <p:sp>
@@ -45537,7 +45590,7 @@
           <p:spPr>
             <a:xfrm>
               <a:off x="3276219" y="3839506"/>
-              <a:ext cx="8600007" cy="523220"/>
+              <a:ext cx="8600007" cy="307777"/>
             </a:xfrm>
             <a:prstGeom prst="rect">
               <a:avLst/>
@@ -45631,10 +45684,22 @@
                   <a:cs typeface="Source Han Sans KR Bold"/>
                   <a:sym typeface="Source Han Sans KR Bold"/>
                 </a:rPr>
-                <a:t>버전 선택</a:t>
+                <a:t>버전 </a:t>
               </a:r>
               <a:r>
-                <a:rPr lang="en-US" altLang="ko-KR" sz="1400" b="1" dirty="0">
+                <a:rPr lang="ko-KR" altLang="en-US" sz="1400" b="1">
+                  <a:solidFill>
+                    <a:srgbClr val="000000"/>
+                  </a:solidFill>
+                  <a:latin typeface="Source Han Sans KR Bold"/>
+                  <a:ea typeface="Source Han Sans KR Bold"/>
+                  <a:cs typeface="Source Han Sans KR Bold"/>
+                  <a:sym typeface="Source Han Sans KR Bold"/>
+                </a:rPr>
+                <a:t>선택</a:t>
+              </a:r>
+              <a:r>
+                <a:rPr lang="en-US" altLang="ko-KR" sz="1400" b="1">
                   <a:solidFill>
                     <a:srgbClr val="000000"/>
                   </a:solidFill>
@@ -45650,27 +45715,6 @@
                 <a:ea typeface="Source Han Sans KR Bold"/>
                 <a:cs typeface="Source Han Sans KR Bold"/>
                 <a:sym typeface="Source Han Sans KR Bold"/>
-              </a:endParaRPr>
-            </a:p>
-            <a:p>
-              <a:pPr>
-                <a:defRPr/>
-              </a:pPr>
-              <a:endParaRPr lang="ko-KR" altLang="en-US" sz="1400" dirty="0">
-                <a:ln>
-                  <a:solidFill>
-                    <a:schemeClr val="bg1">
-                      <a:alpha val="0"/>
-                    </a:schemeClr>
-                  </a:solidFill>
-                </a:ln>
-                <a:solidFill>
-                  <a:schemeClr val="bg2">
-                    <a:lumMod val="25000"/>
-                  </a:schemeClr>
-                </a:solidFill>
-                <a:latin typeface="+mj-ea"/>
-                <a:ea typeface="+mj-ea"/>
               </a:endParaRPr>
             </a:p>
           </p:txBody>
@@ -45691,9 +45735,9 @@
         <p:grpSpPr>
           <a:xfrm>
             <a:off x="2638615" y="4726780"/>
-            <a:ext cx="9095030" cy="808584"/>
+            <a:ext cx="9095030" cy="673099"/>
             <a:chOff x="2665127" y="4597922"/>
-            <a:chExt cx="9095030" cy="808584"/>
+            <a:chExt cx="9095030" cy="673099"/>
           </a:xfrm>
         </p:grpSpPr>
         <p:sp>
@@ -46045,7 +46089,7 @@
           <p:spPr>
             <a:xfrm>
               <a:off x="3276220" y="4709456"/>
-              <a:ext cx="8176640" cy="697050"/>
+              <a:ext cx="8176640" cy="373885"/>
             </a:xfrm>
             <a:prstGeom prst="rect">
               <a:avLst/>
@@ -46136,10 +46180,10 @@
                   <a:latin typeface="맑은 고딕" panose="020B0503020000020004" pitchFamily="50" charset="-127"/>
                   <a:ea typeface="맑은 고딕" panose="020B0503020000020004" pitchFamily="50" charset="-127"/>
                 </a:rPr>
-                <a:t>로 이미지판정 앱 </a:t>
+                <a:t>로 이미지판정 </a:t>
               </a:r>
               <a:r>
-                <a:rPr lang="ko-KR" altLang="en-US" sz="1400" b="1" dirty="0" err="1">
+                <a:rPr lang="ko-KR" altLang="en-US" sz="1400" b="1">
                   <a:ln>
                     <a:solidFill>
                       <a:schemeClr val="bg1">
@@ -46155,7 +46199,7 @@
                   <a:latin typeface="맑은 고딕" panose="020B0503020000020004" pitchFamily="50" charset="-127"/>
                   <a:ea typeface="맑은 고딕" panose="020B0503020000020004" pitchFamily="50" charset="-127"/>
                 </a:rPr>
-                <a:t>만듬</a:t>
+                <a:t>앱 만듬</a:t>
               </a:r>
               <a:endParaRPr lang="en-US" altLang="ko-KR" sz="1400" b="1" dirty="0">
                 <a:ln>
@@ -46172,29 +46216,6 @@
                 </a:solidFill>
                 <a:latin typeface="맑은 고딕" panose="020B0503020000020004" pitchFamily="50" charset="-127"/>
                 <a:ea typeface="맑은 고딕" panose="020B0503020000020004" pitchFamily="50" charset="-127"/>
-              </a:endParaRPr>
-            </a:p>
-            <a:p>
-              <a:pPr>
-                <a:lnSpc>
-                  <a:spcPct val="150000"/>
-                </a:lnSpc>
-                <a:defRPr/>
-              </a:pPr>
-              <a:endParaRPr lang="ko-KR" altLang="en-US" sz="1400" dirty="0">
-                <a:ln>
-                  <a:solidFill>
-                    <a:schemeClr val="bg1">
-                      <a:alpha val="0"/>
-                    </a:schemeClr>
-                  </a:solidFill>
-                </a:ln>
-                <a:solidFill>
-                  <a:schemeClr val="bg2">
-                    <a:lumMod val="25000"/>
-                  </a:schemeClr>
-                </a:solidFill>
-                <a:latin typeface="+mn-ea"/>
               </a:endParaRPr>
             </a:p>
           </p:txBody>
@@ -46295,8 +46316,8 @@
           </p:nvSpPr>
           <p:spPr>
             <a:xfrm>
-              <a:off x="3276220" y="2787639"/>
-              <a:ext cx="8342598" cy="523220"/>
+              <a:off x="3245484" y="2944092"/>
+              <a:ext cx="8342598" cy="307777"/>
             </a:xfrm>
             <a:prstGeom prst="rect">
               <a:avLst/>
@@ -46373,7 +46394,7 @@
                 <a:t> </a:t>
               </a:r>
               <a:r>
-                <a:rPr lang="ko-KR" altLang="en-US" sz="1400" b="1" dirty="0">
+                <a:rPr lang="ko-KR" altLang="en-US" sz="1400" b="1">
                   <a:solidFill>
                     <a:srgbClr val="000000"/>
                   </a:solidFill>
@@ -46385,7 +46406,7 @@
                 <a:t>활용</a:t>
               </a:r>
               <a:r>
-                <a:rPr lang="en-US" altLang="ko-KR" sz="1400" b="1" dirty="0">
+                <a:rPr lang="en-US" altLang="ko-KR" sz="1400" b="1">
                   <a:solidFill>
                     <a:srgbClr val="000000"/>
                   </a:solidFill>
@@ -46401,27 +46422,6 @@
                 <a:ea typeface="Source Han Sans KR Bold"/>
                 <a:cs typeface="Source Han Sans KR Bold"/>
                 <a:sym typeface="Source Han Sans KR Bold"/>
-              </a:endParaRPr>
-            </a:p>
-            <a:p>
-              <a:pPr>
-                <a:defRPr/>
-              </a:pPr>
-              <a:endParaRPr lang="en-US" altLang="ko-KR" sz="1400" dirty="0">
-                <a:ln>
-                  <a:solidFill>
-                    <a:schemeClr val="bg1">
-                      <a:alpha val="0"/>
-                    </a:schemeClr>
-                  </a:solidFill>
-                </a:ln>
-                <a:solidFill>
-                  <a:schemeClr val="bg2">
-                    <a:lumMod val="25000"/>
-                  </a:schemeClr>
-                </a:solidFill>
-                <a:latin typeface="+mj-ea"/>
-                <a:ea typeface="+mj-ea"/>
               </a:endParaRPr>
             </a:p>
           </p:txBody>
@@ -47068,7 +47068,7 @@
           </p:nvSpPr>
           <p:spPr>
             <a:xfrm>
-              <a:off x="3276220" y="5601324"/>
+              <a:off x="3266576" y="5721229"/>
               <a:ext cx="6956034" cy="307777"/>
             </a:xfrm>
             <a:prstGeom prst="rect">
